--- a/presentatie_oplevering.pptx
+++ b/presentatie_oplevering.pptx
@@ -5932,7 +5932,6 @@
               <a:rPr lang="nl-NL" dirty="0" smtClean="0"/>
               <a:t> webshop</a:t>
             </a:r>
-            <a:endParaRPr lang="nl-NL" dirty="0" smtClean="0"/>
           </a:p>
         </p:txBody>
       </p:sp>
@@ -6078,15 +6077,7 @@
             <a:pPr algn="ctr"/>
             <a:r>
               <a:rPr lang="nl-NL" dirty="0" smtClean="0"/>
-              <a:t>Dit was onze </a:t>
-            </a:r>
-            <a:r>
-              <a:rPr lang="nl-NL" dirty="0" smtClean="0"/>
-              <a:t>presentatie </a:t>
-            </a:r>
-            <a:r>
-              <a:rPr lang="nl-NL" dirty="0" smtClean="0"/>
-              <a:t>van het project Vlambeer</a:t>
+              <a:t>Dit was onze presentatie van het project Vlambeer</a:t>
             </a:r>
             <a:endParaRPr lang="nl-NL" dirty="0"/>
           </a:p>
@@ -6333,7 +6324,6 @@
               <a:rPr lang="nl-NL" dirty="0" smtClean="0"/>
               <a:t>User story's alles voltooid?</a:t>
             </a:r>
-            <a:endParaRPr lang="nl-NL" dirty="0" smtClean="0"/>
           </a:p>
           <a:p>
             <a:r>
@@ -6742,7 +6732,6 @@
               <a:rPr lang="nl-NL" dirty="0" smtClean="0"/>
               <a:t>Opdracht 3</a:t>
             </a:r>
-            <a:endParaRPr lang="nl-NL" dirty="0" smtClean="0"/>
           </a:p>
         </p:txBody>
       </p:sp>
@@ -6916,21 +6905,13 @@
           <a:p>
             <a:r>
               <a:rPr lang="nl-NL" dirty="0" smtClean="0"/>
-              <a:t>Opdracht 1</a:t>
-            </a:r>
-          </a:p>
-          <a:p>
-            <a:r>
-              <a:rPr lang="nl-NL" dirty="0" smtClean="0"/>
-              <a:t>Opdracht 2</a:t>
-            </a:r>
-          </a:p>
-          <a:p>
-            <a:r>
-              <a:rPr lang="nl-NL" dirty="0" smtClean="0"/>
-              <a:t>Opdracht 3</a:t>
-            </a:r>
-            <a:endParaRPr lang="nl-NL" dirty="0"/>
+              <a:t>Login </a:t>
+            </a:r>
+            <a:r>
+              <a:rPr lang="nl-NL" smtClean="0"/>
+              <a:t>/ profielgegevens</a:t>
+            </a:r>
+            <a:endParaRPr lang="nl-NL" dirty="0" smtClean="0"/>
           </a:p>
         </p:txBody>
       </p:sp>
@@ -7205,7 +7186,7 @@
   <a:extraClrSchemeLst/>
   <a:extLst>
     <a:ext uri="{05A4C25C-085E-4340-85A3-A5531E510DB2}">
-      <thm15:themeFamily xmlns:thm15="http://schemas.microsoft.com/office/thememl/2012/main" xmlns="" name="Facet" id="{C0C680CD-088A-49FC-A102-D699147F32B2}" vid="{CFBC31BA-B70F-4F30-BCAA-4F3011E16C4D}"/>
+      <thm15:themeFamily xmlns="" xmlns:thm15="http://schemas.microsoft.com/office/thememl/2012/main" name="Facet" id="{C0C680CD-088A-49FC-A102-D699147F32B2}" vid="{CFBC31BA-B70F-4F30-BCAA-4F3011E16C4D}"/>
     </a:ext>
   </a:extLst>
 </a:theme>

--- a/presentatie_oplevering.pptx
+++ b/presentatie_oplevering.pptx
@@ -866,7 +866,7 @@
             <a:fld id="{B61BEF0D-F0BB-DE4B-95CE-6DB70DBA9567}" type="datetimeFigureOut">
               <a:rPr lang="en-US" dirty="0"/>
               <a:pPr/>
-              <a:t>1/25/2015</a:t>
+              <a:t>1/26/2015</a:t>
             </a:fld>
             <a:endParaRPr lang="en-US" dirty="0"/>
           </a:p>
@@ -1114,7 +1114,7 @@
             <a:fld id="{B61BEF0D-F0BB-DE4B-95CE-6DB70DBA9567}" type="datetimeFigureOut">
               <a:rPr lang="en-US" dirty="0"/>
               <a:pPr/>
-              <a:t>1/25/2015</a:t>
+              <a:t>1/26/2015</a:t>
             </a:fld>
             <a:endParaRPr lang="en-US" dirty="0"/>
           </a:p>
@@ -1425,7 +1425,7 @@
             <a:fld id="{B61BEF0D-F0BB-DE4B-95CE-6DB70DBA9567}" type="datetimeFigureOut">
               <a:rPr lang="en-US" dirty="0"/>
               <a:pPr/>
-              <a:t>1/25/2015</a:t>
+              <a:t>1/26/2015</a:t>
             </a:fld>
             <a:endParaRPr lang="en-US" dirty="0"/>
           </a:p>
@@ -1763,7 +1763,7 @@
             <a:fld id="{B61BEF0D-F0BB-DE4B-95CE-6DB70DBA9567}" type="datetimeFigureOut">
               <a:rPr lang="en-US" dirty="0"/>
               <a:pPr/>
-              <a:t>1/25/2015</a:t>
+              <a:t>1/26/2015</a:t>
             </a:fld>
             <a:endParaRPr lang="en-US" dirty="0"/>
           </a:p>
@@ -2074,7 +2074,7 @@
             <a:fld id="{B61BEF0D-F0BB-DE4B-95CE-6DB70DBA9567}" type="datetimeFigureOut">
               <a:rPr lang="en-US" dirty="0"/>
               <a:pPr/>
-              <a:t>1/25/2015</a:t>
+              <a:t>1/26/2015</a:t>
             </a:fld>
             <a:endParaRPr lang="en-US" dirty="0"/>
           </a:p>
@@ -2464,7 +2464,7 @@
             <a:fld id="{B61BEF0D-F0BB-DE4B-95CE-6DB70DBA9567}" type="datetimeFigureOut">
               <a:rPr lang="en-US" dirty="0"/>
               <a:pPr/>
-              <a:t>1/25/2015</a:t>
+              <a:t>1/26/2015</a:t>
             </a:fld>
             <a:endParaRPr lang="en-US" dirty="0"/>
           </a:p>
@@ -2630,7 +2630,7 @@
           <a:p>
             <a:fld id="{55C6B4A9-1611-4792-9094-5F34BCA07E0B}" type="datetimeFigureOut">
               <a:rPr lang="en-US" dirty="0"/>
-              <a:t>1/25/2015</a:t>
+              <a:t>1/26/2015</a:t>
             </a:fld>
             <a:endParaRPr lang="en-US" dirty="0"/>
           </a:p>
@@ -2806,7 +2806,7 @@
             <a:fld id="{B61BEF0D-F0BB-DE4B-95CE-6DB70DBA9567}" type="datetimeFigureOut">
               <a:rPr lang="en-US" dirty="0"/>
               <a:pPr/>
-              <a:t>1/25/2015</a:t>
+              <a:t>1/26/2015</a:t>
             </a:fld>
             <a:endParaRPr lang="en-US" dirty="0"/>
           </a:p>
@@ -2979,7 +2979,7 @@
             <a:fld id="{B61BEF0D-F0BB-DE4B-95CE-6DB70DBA9567}" type="datetimeFigureOut">
               <a:rPr lang="en-US" dirty="0"/>
               <a:pPr/>
-              <a:t>1/25/2015</a:t>
+              <a:t>1/26/2015</a:t>
             </a:fld>
             <a:endParaRPr lang="en-US" dirty="0"/>
           </a:p>
@@ -3223,7 +3223,7 @@
             <a:fld id="{B61BEF0D-F0BB-DE4B-95CE-6DB70DBA9567}" type="datetimeFigureOut">
               <a:rPr lang="en-US" dirty="0"/>
               <a:pPr/>
-              <a:t>1/25/2015</a:t>
+              <a:t>1/26/2015</a:t>
             </a:fld>
             <a:endParaRPr lang="en-US" dirty="0"/>
           </a:p>
@@ -3451,7 +3451,7 @@
           <a:p>
             <a:fld id="{EB712588-04B1-427B-82EE-E8DB90309F08}" type="datetimeFigureOut">
               <a:rPr lang="en-US" dirty="0"/>
-              <a:t>1/25/2015</a:t>
+              <a:t>1/26/2015</a:t>
             </a:fld>
             <a:endParaRPr lang="en-US" dirty="0"/>
           </a:p>
@@ -3821,7 +3821,7 @@
             <a:fld id="{B61BEF0D-F0BB-DE4B-95CE-6DB70DBA9567}" type="datetimeFigureOut">
               <a:rPr lang="en-US" dirty="0"/>
               <a:pPr/>
-              <a:t>1/25/2015</a:t>
+              <a:t>1/26/2015</a:t>
             </a:fld>
             <a:endParaRPr lang="en-US" dirty="0"/>
           </a:p>
@@ -3941,7 +3941,7 @@
             <a:fld id="{B61BEF0D-F0BB-DE4B-95CE-6DB70DBA9567}" type="datetimeFigureOut">
               <a:rPr lang="en-US" dirty="0"/>
               <a:pPr/>
-              <a:t>1/25/2015</a:t>
+              <a:t>1/26/2015</a:t>
             </a:fld>
             <a:endParaRPr lang="en-US" dirty="0"/>
           </a:p>
@@ -4033,7 +4033,7 @@
             <a:fld id="{B61BEF0D-F0BB-DE4B-95CE-6DB70DBA9567}" type="datetimeFigureOut">
               <a:rPr lang="en-US" dirty="0"/>
               <a:pPr/>
-              <a:t>1/25/2015</a:t>
+              <a:t>1/26/2015</a:t>
             </a:fld>
             <a:endParaRPr lang="en-US" dirty="0"/>
           </a:p>
@@ -4284,7 +4284,7 @@
           <a:p>
             <a:fld id="{42A54C80-263E-416B-A8E0-580EDEADCBDC}" type="datetimeFigureOut">
               <a:rPr lang="en-US" dirty="0"/>
-              <a:t>1/25/2015</a:t>
+              <a:t>1/26/2015</a:t>
             </a:fld>
             <a:endParaRPr lang="en-US" dirty="0"/>
           </a:p>
@@ -4543,7 +4543,7 @@
             <a:fld id="{B61BEF0D-F0BB-DE4B-95CE-6DB70DBA9567}" type="datetimeFigureOut">
               <a:rPr lang="en-US" dirty="0"/>
               <a:pPr/>
-              <a:t>1/25/2015</a:t>
+              <a:t>1/26/2015</a:t>
             </a:fld>
             <a:endParaRPr lang="en-US" dirty="0"/>
           </a:p>
@@ -5283,7 +5283,7 @@
             <a:fld id="{B61BEF0D-F0BB-DE4B-95CE-6DB70DBA9567}" type="datetimeFigureOut">
               <a:rPr lang="en-US" dirty="0"/>
               <a:pPr/>
-              <a:t>1/25/2015</a:t>
+              <a:t>1/26/2015</a:t>
             </a:fld>
             <a:endParaRPr lang="en-US" dirty="0"/>
           </a:p>
@@ -6717,21 +6717,115 @@
           <a:lstStyle/>
           <a:p>
             <a:r>
-              <a:rPr lang="nl-NL" dirty="0" smtClean="0"/>
-              <a:t>Opdracht 1</a:t>
-            </a:r>
-          </a:p>
-          <a:p>
-            <a:r>
-              <a:rPr lang="nl-NL" dirty="0" smtClean="0"/>
-              <a:t>Opdracht 2</a:t>
-            </a:r>
-          </a:p>
-          <a:p>
-            <a:r>
-              <a:rPr lang="nl-NL" dirty="0" smtClean="0"/>
-              <a:t>Opdracht 3</a:t>
-            </a:r>
+              <a:rPr lang="en-US" dirty="0" smtClean="0"/>
+              <a:t>Merchandise data </a:t>
+            </a:r>
+            <a:r>
+              <a:rPr lang="en-US" dirty="0" err="1" smtClean="0"/>
+              <a:t>uit</a:t>
+            </a:r>
+            <a:r>
+              <a:rPr lang="en-US" dirty="0" smtClean="0"/>
+              <a:t> database laden</a:t>
+            </a:r>
+            <a:endParaRPr lang="nl-NL" dirty="0" smtClean="0"/>
+          </a:p>
+          <a:p>
+            <a:r>
+              <a:rPr lang="en-US" dirty="0" err="1" smtClean="0"/>
+              <a:t>Muziek</a:t>
+            </a:r>
+            <a:r>
+              <a:rPr lang="en-US" dirty="0" smtClean="0"/>
+              <a:t> </a:t>
+            </a:r>
+            <a:r>
+              <a:rPr lang="en-US" dirty="0" err="1" smtClean="0"/>
+              <a:t>pagina</a:t>
+            </a:r>
+            <a:r>
+              <a:rPr lang="en-US" dirty="0" smtClean="0"/>
+              <a:t> data </a:t>
+            </a:r>
+            <a:r>
+              <a:rPr lang="en-US" dirty="0" err="1" smtClean="0"/>
+              <a:t>uit</a:t>
+            </a:r>
+            <a:r>
+              <a:rPr lang="en-US" dirty="0" smtClean="0"/>
+              <a:t> database laden</a:t>
+            </a:r>
+            <a:endParaRPr lang="nl-NL" dirty="0" smtClean="0"/>
+          </a:p>
+          <a:p>
+            <a:r>
+              <a:rPr lang="en-US" dirty="0" smtClean="0"/>
+              <a:t>Code </a:t>
+            </a:r>
+            <a:r>
+              <a:rPr lang="en-US" dirty="0" err="1" smtClean="0"/>
+              <a:t>geoptimaliseerd</a:t>
+            </a:r>
+            <a:endParaRPr lang="en-US" dirty="0" smtClean="0"/>
+          </a:p>
+          <a:p>
+            <a:r>
+              <a:rPr lang="en-US" dirty="0" smtClean="0"/>
+              <a:t>Add product </a:t>
+            </a:r>
+            <a:r>
+              <a:rPr lang="en-US" dirty="0" err="1" smtClean="0"/>
+              <a:t>pagina</a:t>
+            </a:r>
+            <a:r>
+              <a:rPr lang="en-US" dirty="0" smtClean="0"/>
+              <a:t> </a:t>
+            </a:r>
+            <a:r>
+              <a:rPr lang="en-US" dirty="0" err="1" smtClean="0"/>
+              <a:t>gefixed</a:t>
+            </a:r>
+            <a:r>
+              <a:rPr lang="en-US" dirty="0" smtClean="0"/>
+              <a:t> (</a:t>
+            </a:r>
+            <a:r>
+              <a:rPr lang="en-US" dirty="0" err="1" smtClean="0"/>
+              <a:t>werkte</a:t>
+            </a:r>
+            <a:r>
+              <a:rPr lang="en-US" dirty="0" smtClean="0"/>
+              <a:t> </a:t>
+            </a:r>
+            <a:r>
+              <a:rPr lang="en-US" dirty="0" err="1" smtClean="0"/>
+              <a:t>niet</a:t>
+            </a:r>
+            <a:r>
+              <a:rPr lang="en-US" dirty="0" smtClean="0"/>
+              <a:t> </a:t>
+            </a:r>
+            <a:r>
+              <a:rPr lang="en-US" dirty="0" err="1" smtClean="0"/>
+              <a:t>goed</a:t>
+            </a:r>
+            <a:r>
+              <a:rPr lang="en-US" dirty="0" smtClean="0"/>
+              <a:t> </a:t>
+            </a:r>
+            <a:r>
+              <a:rPr lang="en-US" dirty="0" err="1" smtClean="0"/>
+              <a:t>meer</a:t>
+            </a:r>
+            <a:r>
+              <a:rPr lang="en-US" dirty="0" smtClean="0"/>
+              <a:t> </a:t>
+            </a:r>
+            <a:r>
+              <a:rPr lang="en-US" smtClean="0"/>
+              <a:t>in admin panel)</a:t>
+            </a:r>
+            <a:endParaRPr lang="nl-NL" dirty="0" smtClean="0"/>
           </a:p>
         </p:txBody>
       </p:sp>
@@ -7186,7 +7280,7 @@
   <a:extraClrSchemeLst/>
   <a:extLst>
     <a:ext uri="{05A4C25C-085E-4340-85A3-A5531E510DB2}">
-      <thm15:themeFamily xmlns="" xmlns:thm15="http://schemas.microsoft.com/office/thememl/2012/main" name="Facet" id="{C0C680CD-088A-49FC-A102-D699147F32B2}" vid="{CFBC31BA-B70F-4F30-BCAA-4F3011E16C4D}"/>
+      <thm15:themeFamily xmlns:thm15="http://schemas.microsoft.com/office/thememl/2012/main" xmlns="" name="Facet" id="{C0C680CD-088A-49FC-A102-D699147F32B2}" vid="{CFBC31BA-B70F-4F30-BCAA-4F3011E16C4D}"/>
     </a:ext>
   </a:extLst>
 </a:theme>

--- a/presentatie_oplevering.pptx
+++ b/presentatie_oplevering.pptx
@@ -16,7 +16,8 @@
     <p:sldId id="263" r:id="rId10"/>
     <p:sldId id="264" r:id="rId11"/>
     <p:sldId id="265" r:id="rId12"/>
-    <p:sldId id="266" r:id="rId13"/>
+    <p:sldId id="268" r:id="rId13"/>
+    <p:sldId id="266" r:id="rId14"/>
   </p:sldIdLst>
   <p:sldSz cx="12192000" cy="6858000"/>
   <p:notesSz cx="6858000" cy="9144000"/>
@@ -131,6 +132,7 @@
             <p14:sldId id="263"/>
             <p14:sldId id="264"/>
             <p14:sldId id="265"/>
+            <p14:sldId id="268"/>
             <p14:sldId id="266"/>
           </p14:sldIdLst>
         </p14:section>
@@ -138,6 +140,20 @@
           <p14:sldIdLst/>
         </p14:section>
       </p14:sectionLst>
+    </p:ext>
+    <p:ext uri="{EFAFB233-063F-42B5-8137-9DF3F51BA10A}">
+      <p15:sldGuideLst xmlns:p15="http://schemas.microsoft.com/office/powerpoint/2012/main">
+        <p15:guide id="1" orient="horz" pos="2160">
+          <p15:clr>
+            <a:srgbClr val="A4A3A4"/>
+          </p15:clr>
+        </p15:guide>
+        <p15:guide id="2" pos="3840">
+          <p15:clr>
+            <a:srgbClr val="A4A3A4"/>
+          </p15:clr>
+        </p15:guide>
+      </p15:sldGuideLst>
     </p:ext>
   </p:extLst>
 </p:presentation>
@@ -5930,8 +5946,31 @@
             </a:r>
             <a:r>
               <a:rPr lang="nl-NL" dirty="0" smtClean="0"/>
-              <a:t> webshop</a:t>
-            </a:r>
+              <a:t> </a:t>
+            </a:r>
+            <a:r>
+              <a:rPr lang="nl-NL" dirty="0" err="1" smtClean="0"/>
+              <a:t>webshop</a:t>
+            </a:r>
+            <a:endParaRPr lang="nl-NL" dirty="0" smtClean="0"/>
+          </a:p>
+          <a:p>
+            <a:r>
+              <a:rPr lang="nl-NL" dirty="0" smtClean="0"/>
+              <a:t>Aanpassingen </a:t>
+            </a:r>
+            <a:r>
+              <a:rPr lang="nl-NL" dirty="0" err="1" smtClean="0"/>
+              <a:t>webshop</a:t>
+            </a:r>
+            <a:endParaRPr lang="nl-NL" dirty="0" smtClean="0"/>
+          </a:p>
+          <a:p>
+            <a:r>
+              <a:rPr lang="nl-NL" dirty="0" smtClean="0"/>
+              <a:t>Extra interactiviteit toevoegen</a:t>
+            </a:r>
+            <a:endParaRPr lang="nl-NL" dirty="0" smtClean="0"/>
           </a:p>
         </p:txBody>
       </p:sp>
@@ -6016,7 +6055,44 @@
           <a:p>
             <a:r>
               <a:rPr lang="nl-NL" dirty="0" smtClean="0"/>
-              <a:t>Design webshop</a:t>
+              <a:t>Design </a:t>
+            </a:r>
+            <a:r>
+              <a:rPr lang="nl-NL" dirty="0" err="1" smtClean="0"/>
+              <a:t>webshop</a:t>
+            </a:r>
+            <a:endParaRPr lang="nl-NL" dirty="0" smtClean="0"/>
+          </a:p>
+          <a:p>
+            <a:r>
+              <a:rPr lang="nl-NL" dirty="0" smtClean="0"/>
+              <a:t>Uitlijnen website</a:t>
+            </a:r>
+          </a:p>
+          <a:p>
+            <a:r>
+              <a:rPr lang="nl-NL" dirty="0" smtClean="0"/>
+              <a:t>Design </a:t>
+            </a:r>
+            <a:r>
+              <a:rPr lang="nl-NL" dirty="0" err="1" smtClean="0"/>
+              <a:t>twitter</a:t>
+            </a:r>
+            <a:r>
+              <a:rPr lang="nl-NL" dirty="0" smtClean="0"/>
+              <a:t> API</a:t>
+            </a:r>
+          </a:p>
+          <a:p>
+            <a:r>
+              <a:rPr lang="nl-NL" dirty="0" smtClean="0"/>
+              <a:t>Interactiviteit toevoegen</a:t>
+            </a:r>
+          </a:p>
+          <a:p>
+            <a:r>
+              <a:rPr lang="nl-NL" dirty="0" smtClean="0"/>
+              <a:t>Controle</a:t>
             </a:r>
             <a:endParaRPr lang="nl-NL" dirty="0"/>
           </a:p>
@@ -6077,6 +6153,97 @@
             <a:pPr algn="ctr"/>
             <a:r>
               <a:rPr lang="nl-NL" dirty="0" smtClean="0"/>
+              <a:t>Slot</a:t>
+            </a:r>
+            <a:endParaRPr lang="nl-NL" dirty="0"/>
+          </a:p>
+        </p:txBody>
+      </p:sp>
+      <p:sp>
+        <p:nvSpPr>
+          <p:cNvPr id="3" name="Tijdelijke aanduiding voor inhoud 2"/>
+          <p:cNvSpPr>
+            <a:spLocks noGrp="1"/>
+          </p:cNvSpPr>
+          <p:nvPr>
+            <p:ph idx="1"/>
+          </p:nvPr>
+        </p:nvSpPr>
+        <p:spPr/>
+        <p:txBody>
+          <a:bodyPr/>
+          <a:lstStyle/>
+          <a:p>
+            <a:r>
+              <a:rPr lang="nl-NL" dirty="0" smtClean="0"/>
+              <a:t>Samenwerking</a:t>
+            </a:r>
+          </a:p>
+          <a:p>
+            <a:r>
+              <a:rPr lang="nl-NL" dirty="0" smtClean="0"/>
+              <a:t>Verloop scrum methode</a:t>
+            </a:r>
+          </a:p>
+          <a:p>
+            <a:r>
+              <a:rPr lang="nl-NL" dirty="0" smtClean="0"/>
+              <a:t>Plus- &amp; min punten van de scrum methode</a:t>
+            </a:r>
+          </a:p>
+          <a:p>
+            <a:endParaRPr lang="nl-NL" dirty="0"/>
+          </a:p>
+        </p:txBody>
+      </p:sp>
+    </p:spTree>
+    <p:extLst>
+      <p:ext uri="{BB962C8B-B14F-4D97-AF65-F5344CB8AC3E}">
+        <p14:creationId xmlns:p14="http://schemas.microsoft.com/office/powerpoint/2010/main" val="1812528472"/>
+      </p:ext>
+    </p:extLst>
+  </p:cSld>
+  <p:clrMapOvr>
+    <a:masterClrMapping/>
+  </p:clrMapOvr>
+</p:sld>
+</file>
+
+<file path=ppt/slides/slide13.xml><?xml version="1.0" encoding="utf-8"?>
+<p:sld xmlns:a="http://schemas.openxmlformats.org/drawingml/2006/main" xmlns:r="http://schemas.openxmlformats.org/officeDocument/2006/relationships" xmlns:p="http://schemas.openxmlformats.org/presentationml/2006/main">
+  <p:cSld>
+    <p:spTree>
+      <p:nvGrpSpPr>
+        <p:cNvPr id="1" name=""/>
+        <p:cNvGrpSpPr/>
+        <p:nvPr/>
+      </p:nvGrpSpPr>
+      <p:grpSpPr>
+        <a:xfrm>
+          <a:off x="0" y="0"/>
+          <a:ext cx="0" cy="0"/>
+          <a:chOff x="0" y="0"/>
+          <a:chExt cx="0" cy="0"/>
+        </a:xfrm>
+      </p:grpSpPr>
+      <p:sp>
+        <p:nvSpPr>
+          <p:cNvPr id="2" name="Titel 1"/>
+          <p:cNvSpPr>
+            <a:spLocks noGrp="1"/>
+          </p:cNvSpPr>
+          <p:nvPr>
+            <p:ph type="title"/>
+          </p:nvPr>
+        </p:nvSpPr>
+        <p:spPr/>
+        <p:txBody>
+          <a:bodyPr/>
+          <a:lstStyle/>
+          <a:p>
+            <a:pPr algn="ctr"/>
+            <a:r>
+              <a:rPr lang="nl-NL" dirty="0" smtClean="0"/>
               <a:t>Dit was onze presentatie van het project Vlambeer</a:t>
             </a:r>
             <a:endParaRPr lang="nl-NL" dirty="0"/>
@@ -6108,7 +6275,7 @@
       </p:sp>
       <p:pic>
         <p:nvPicPr>
-          <p:cNvPr id="4" name="Afbeelding 3"/>
+          <p:cNvPr id="5" name="Afbeelding 4"/>
           <p:cNvPicPr>
             <a:picLocks noChangeAspect="1"/>
           </p:cNvPicPr>
@@ -6128,8 +6295,8 @@
         </p:blipFill>
         <p:spPr>
           <a:xfrm>
-            <a:off x="1007917" y="2469789"/>
-            <a:ext cx="7633807" cy="3610951"/>
+            <a:off x="779319" y="2488925"/>
+            <a:ext cx="8884226" cy="4254775"/>
           </a:xfrm>
           <a:prstGeom prst="rect">
             <a:avLst/>
@@ -6629,10 +6796,6 @@
               <a:rPr lang="nl-NL" dirty="0" err="1" smtClean="0"/>
               <a:t>Shoppingcart</a:t>
             </a:r>
-            <a:r>
-              <a:rPr lang="nl-NL" dirty="0" smtClean="0"/>
-              <a:t>……..</a:t>
-            </a:r>
             <a:endParaRPr lang="nl-NL" dirty="0"/>
           </a:p>
         </p:txBody>
@@ -6906,12 +7069,39 @@
           <a:p>
             <a:r>
               <a:rPr lang="nl-NL" dirty="0" smtClean="0"/>
-              <a:t>Google </a:t>
+              <a:t>Contact pagina aangepast(Google </a:t>
             </a:r>
             <a:r>
               <a:rPr lang="nl-NL" dirty="0" err="1" smtClean="0"/>
-              <a:t>maps</a:t>
-            </a:r>
+              <a:t>Maps</a:t>
+            </a:r>
+            <a:r>
+              <a:rPr lang="nl-NL" dirty="0" smtClean="0"/>
+              <a:t>)</a:t>
+            </a:r>
+          </a:p>
+          <a:p>
+            <a:r>
+              <a:rPr lang="nl-NL" smtClean="0"/>
+              <a:t>Aanpassingen</a:t>
+            </a:r>
+            <a:r>
+              <a:rPr lang="nl-NL" dirty="0" smtClean="0"/>
+              <a:t>( Home page, </a:t>
+            </a:r>
+            <a:r>
+              <a:rPr lang="nl-NL" dirty="0" err="1" smtClean="0"/>
+              <a:t>Merchandise,Footer</a:t>
+            </a:r>
+            <a:r>
+              <a:rPr lang="nl-NL" dirty="0" smtClean="0"/>
+              <a:t>)</a:t>
+            </a:r>
+          </a:p>
+          <a:p>
+            <a:endParaRPr lang="nl-NL" dirty="0" smtClean="0"/>
+          </a:p>
+          <a:p>
             <a:endParaRPr lang="nl-NL" dirty="0"/>
           </a:p>
         </p:txBody>
@@ -7280,7 +7470,7 @@
   <a:extraClrSchemeLst/>
   <a:extLst>
     <a:ext uri="{05A4C25C-085E-4340-85A3-A5531E510DB2}">
-      <thm15:themeFamily xmlns:thm15="http://schemas.microsoft.com/office/thememl/2012/main" xmlns="" name="Facet" id="{C0C680CD-088A-49FC-A102-D699147F32B2}" vid="{CFBC31BA-B70F-4F30-BCAA-4F3011E16C4D}"/>
+      <thm15:themeFamily xmlns:thm15="http://schemas.microsoft.com/office/thememl/2012/main" name="Facet" id="{C0C680CD-088A-49FC-A102-D699147F32B2}" vid="{CFBC31BA-B70F-4F30-BCAA-4F3011E16C4D}"/>
     </a:ext>
   </a:extLst>
 </a:theme>

--- a/presentatie_oplevering.pptx
+++ b/presentatie_oplevering.pptx
@@ -5970,7 +5970,6 @@
               <a:rPr lang="nl-NL" dirty="0" smtClean="0"/>
               <a:t>Extra interactiviteit toevoegen</a:t>
             </a:r>
-            <a:endParaRPr lang="nl-NL" dirty="0" smtClean="0"/>
           </a:p>
         </p:txBody>
       </p:sp>
@@ -6592,16 +6591,8 @@
           <a:p>
             <a:r>
               <a:rPr lang="nl-NL" dirty="0" smtClean="0"/>
-              <a:t>Opdracht 1</a:t>
-            </a:r>
-          </a:p>
-          <a:p>
-            <a:r>
-              <a:rPr lang="nl-NL" dirty="0" smtClean="0"/>
-              <a:t>Opdracht 2</a:t>
-            </a:r>
-          </a:p>
-          <a:p>
+              <a:t>Gerelateerde producten merchandise pagina</a:t>
+            </a:r>
             <a:endParaRPr lang="nl-NL" dirty="0" smtClean="0"/>
           </a:p>
         </p:txBody>

--- a/presentatie_oplevering.pptx
+++ b/presentatie_oplevering.pptx
@@ -6488,15 +6488,17 @@
           <a:p>
             <a:r>
               <a:rPr lang="nl-NL" dirty="0" smtClean="0"/>
-              <a:t>User story's alles voltooid?</a:t>
-            </a:r>
-          </a:p>
-          <a:p>
+              <a:t>User story's </a:t>
+            </a:r>
             <a:r>
               <a:rPr lang="nl-NL" dirty="0" smtClean="0"/>
-              <a:t>Taakverdeling </a:t>
-            </a:r>
-            <a:endParaRPr lang="nl-NL" dirty="0"/>
+              <a:t>voltooid van </a:t>
+            </a:r>
+            <a:r>
+              <a:rPr lang="nl-NL" smtClean="0"/>
+              <a:t>deze sprint</a:t>
+            </a:r>
+            <a:endParaRPr lang="nl-NL" dirty="0" smtClean="0"/>
           </a:p>
         </p:txBody>
       </p:sp>
@@ -6593,7 +6595,6 @@
               <a:rPr lang="nl-NL" dirty="0" smtClean="0"/>
               <a:t>Gerelateerde producten merchandise pagina</a:t>
             </a:r>
-            <a:endParaRPr lang="nl-NL" dirty="0" smtClean="0"/>
           </a:p>
         </p:txBody>
       </p:sp>

--- a/presentatie_oplevering.pptx
+++ b/presentatie_oplevering.pptx
@@ -142,7 +142,7 @@
       </p14:sectionLst>
     </p:ext>
     <p:ext uri="{EFAFB233-063F-42B5-8137-9DF3F51BA10A}">
-      <p15:sldGuideLst xmlns:p15="http://schemas.microsoft.com/office/powerpoint/2012/main">
+      <p15:sldGuideLst xmlns:p15="http://schemas.microsoft.com/office/powerpoint/2012/main" xmlns="">
         <p15:guide id="1" orient="horz" pos="2160">
           <p15:clr>
             <a:srgbClr val="A4A3A4"/>
@@ -6488,11 +6488,7 @@
           <a:p>
             <a:r>
               <a:rPr lang="nl-NL" dirty="0" smtClean="0"/>
-              <a:t>User story's </a:t>
-            </a:r>
-            <a:r>
-              <a:rPr lang="nl-NL" dirty="0" smtClean="0"/>
-              <a:t>voltooid van </a:t>
+              <a:t>User story's voltooid van </a:t>
             </a:r>
             <a:r>
               <a:rPr lang="nl-NL" smtClean="0"/>
@@ -6679,8 +6675,23 @@
           <a:p>
             <a:r>
               <a:rPr lang="nl-NL" dirty="0" smtClean="0"/>
-              <a:t>Product pagina’s gemaakt</a:t>
-            </a:r>
+              <a:t>Product pagina’s </a:t>
+            </a:r>
+            <a:r>
+              <a:rPr lang="nl-NL" dirty="0" smtClean="0"/>
+              <a:t>gemaakt</a:t>
+            </a:r>
+          </a:p>
+          <a:p>
+            <a:r>
+              <a:rPr lang="nl-NL" dirty="0" smtClean="0"/>
+              <a:t>Game </a:t>
+            </a:r>
+            <a:r>
+              <a:rPr lang="nl-NL" smtClean="0"/>
+              <a:t>pagina gemaakt</a:t>
+            </a:r>
+            <a:endParaRPr lang="nl-NL" dirty="0" smtClean="0"/>
           </a:p>
           <a:p>
             <a:r>
@@ -7254,7 +7265,7 @@
     </a:clrScheme>
     <a:fontScheme name="Facet">
       <a:majorFont>
-        <a:latin typeface="Trebuchet MS" panose="020B0603020202020204"/>
+        <a:latin typeface="Trebuchet MS"/>
         <a:ea typeface=""/>
         <a:cs typeface=""/>
         <a:font script="Jpan" typeface="メイリオ"/>
@@ -7289,7 +7300,7 @@
         <a:font script="Geor" typeface="Sylfaen"/>
       </a:majorFont>
       <a:minorFont>
-        <a:latin typeface="Trebuchet MS" panose="020B0603020202020204"/>
+        <a:latin typeface="Trebuchet MS"/>
         <a:ea typeface=""/>
         <a:cs typeface=""/>
         <a:font script="Jpan" typeface="メイリオ"/>
@@ -7462,7 +7473,7 @@
   <a:extraClrSchemeLst/>
   <a:extLst>
     <a:ext uri="{05A4C25C-085E-4340-85A3-A5531E510DB2}">
-      <thm15:themeFamily xmlns:thm15="http://schemas.microsoft.com/office/thememl/2012/main" name="Facet" id="{C0C680CD-088A-49FC-A102-D699147F32B2}" vid="{CFBC31BA-B70F-4F30-BCAA-4F3011E16C4D}"/>
+      <thm15:themeFamily xmlns:thm15="http://schemas.microsoft.com/office/thememl/2012/main" xmlns="" name="Facet" id="{C0C680CD-088A-49FC-A102-D699147F32B2}" vid="{CFBC31BA-B70F-4F30-BCAA-4F3011E16C4D}"/>
     </a:ext>
   </a:extLst>
 </a:theme>

--- a/presentatie_oplevering.pptx
+++ b/presentatie_oplevering.pptx
@@ -142,7 +142,7 @@
       </p14:sectionLst>
     </p:ext>
     <p:ext uri="{EFAFB233-063F-42B5-8137-9DF3F51BA10A}">
-      <p15:sldGuideLst xmlns:p15="http://schemas.microsoft.com/office/powerpoint/2012/main">
+      <p15:sldGuideLst xmlns:p15="http://schemas.microsoft.com/office/powerpoint/2012/main" xmlns="">
         <p15:guide id="1" orient="horz" pos="2160">
           <p15:clr>
             <a:srgbClr val="A4A3A4"/>
@@ -6488,11 +6488,7 @@
           <a:p>
             <a:r>
               <a:rPr lang="nl-NL" dirty="0" smtClean="0"/>
-              <a:t>User story's </a:t>
-            </a:r>
-            <a:r>
-              <a:rPr lang="nl-NL" dirty="0" smtClean="0"/>
-              <a:t>voltooid van </a:t>
+              <a:t>User story's voltooid van </a:t>
             </a:r>
             <a:r>
               <a:rPr lang="nl-NL" smtClean="0"/>
@@ -6915,18 +6911,11 @@
           <a:p>
             <a:r>
               <a:rPr lang="en-US" dirty="0" smtClean="0"/>
-              <a:t>Code </a:t>
-            </a:r>
-            <a:r>
-              <a:rPr lang="en-US" dirty="0" err="1" smtClean="0"/>
-              <a:t>geoptimaliseerd</a:t>
-            </a:r>
-            <a:endParaRPr lang="en-US" dirty="0" smtClean="0"/>
-          </a:p>
-          <a:p>
+              <a:t>Add </a:t>
+            </a:r>
             <a:r>
               <a:rPr lang="en-US" dirty="0" smtClean="0"/>
-              <a:t>Add product </a:t>
+              <a:t>product </a:t>
             </a:r>
             <a:r>
               <a:rPr lang="en-US" dirty="0" err="1" smtClean="0"/>
@@ -6974,11 +6963,7 @@
             </a:r>
             <a:r>
               <a:rPr lang="en-US" dirty="0" smtClean="0"/>
-              <a:t> </a:t>
-            </a:r>
-            <a:r>
-              <a:rPr lang="en-US" smtClean="0"/>
-              <a:t>in admin panel)</a:t>
+              <a:t> in admin panel)</a:t>
             </a:r>
             <a:endParaRPr lang="nl-NL" dirty="0" smtClean="0"/>
           </a:p>
@@ -7462,7 +7447,7 @@
   <a:extraClrSchemeLst/>
   <a:extLst>
     <a:ext uri="{05A4C25C-085E-4340-85A3-A5531E510DB2}">
-      <thm15:themeFamily xmlns:thm15="http://schemas.microsoft.com/office/thememl/2012/main" name="Facet" id="{C0C680CD-088A-49FC-A102-D699147F32B2}" vid="{CFBC31BA-B70F-4F30-BCAA-4F3011E16C4D}"/>
+      <thm15:themeFamily xmlns:thm15="http://schemas.microsoft.com/office/thememl/2012/main" xmlns="" name="Facet" id="{C0C680CD-088A-49FC-A102-D699147F32B2}" vid="{CFBC31BA-B70F-4F30-BCAA-4F3011E16C4D}"/>
     </a:ext>
   </a:extLst>
 </a:theme>
